--- a/veille technologique.pptx
+++ b/veille technologique.pptx
@@ -7,7 +7,9 @@
   <p:sldIdLst>
     <p:sldId id="256" r:id="rId2"/>
     <p:sldId id="257" r:id="rId3"/>
-    <p:sldId id="258" r:id="rId4"/>
+    <p:sldId id="259" r:id="rId4"/>
+    <p:sldId id="258" r:id="rId5"/>
+    <p:sldId id="260" r:id="rId6"/>
   </p:sldIdLst>
   <p:sldSz cx="12192000" cy="6858000"/>
   <p:notesSz cx="6858000" cy="9144000"/>
@@ -237,7 +239,7 @@
             <a:fld id="{302C4EEA-0E96-4106-8983-1EC575A1924F}" type="datetime1">
               <a:rPr lang="fr-FR"/>
               <a:pPr lvl="0"/>
-              <a:t>23/08/2023</a:t>
+              <a:t>27/08/2023</a:t>
             </a:fld>
             <a:endParaRPr lang="fr-FR"/>
           </a:p>
@@ -472,7 +474,7 @@
             <a:fld id="{9B2CE37F-084E-40E8-B6F7-64B1838EC087}" type="datetime1">
               <a:rPr lang="fr-FR"/>
               <a:pPr lvl="0"/>
-              <a:t>23/08/2023</a:t>
+              <a:t>27/08/2023</a:t>
             </a:fld>
             <a:endParaRPr lang="fr-FR"/>
           </a:p>
@@ -716,7 +718,7 @@
             <a:fld id="{16992533-EDD6-4A58-B0E1-CB09E560A66C}" type="datetime1">
               <a:rPr lang="fr-FR"/>
               <a:pPr lvl="0"/>
-              <a:t>23/08/2023</a:t>
+              <a:t>27/08/2023</a:t>
             </a:fld>
             <a:endParaRPr lang="fr-FR"/>
           </a:p>
@@ -950,7 +952,7 @@
             <a:fld id="{C1B01344-41D8-430C-82F1-BEC8458D4DB6}" type="datetime1">
               <a:rPr lang="fr-FR"/>
               <a:pPr lvl="0"/>
-              <a:t>23/08/2023</a:t>
+              <a:t>27/08/2023</a:t>
             </a:fld>
             <a:endParaRPr lang="fr-FR"/>
           </a:p>
@@ -1159,7 +1161,7 @@
             <a:fld id="{7FD77635-6404-4E67-B6DC-32A5655970FD}" type="datetime1">
               <a:rPr lang="fr-FR"/>
               <a:pPr lvl="0"/>
-              <a:t>23/08/2023</a:t>
+              <a:t>27/08/2023</a:t>
             </a:fld>
             <a:endParaRPr lang="fr-FR"/>
           </a:p>
@@ -1476,7 +1478,7 @@
             <a:fld id="{F227C269-360B-4BE2-9518-D9FA01F07A36}" type="datetime1">
               <a:rPr lang="fr-FR"/>
               <a:pPr lvl="0"/>
-              <a:t>23/08/2023</a:t>
+              <a:t>27/08/2023</a:t>
             </a:fld>
             <a:endParaRPr lang="fr-FR"/>
           </a:p>
@@ -1876,7 +1878,7 @@
             <a:fld id="{CF71E812-84D0-464D-BDBD-C634349E165D}" type="datetime1">
               <a:rPr lang="fr-FR"/>
               <a:pPr lvl="0"/>
-              <a:t>23/08/2023</a:t>
+              <a:t>27/08/2023</a:t>
             </a:fld>
             <a:endParaRPr lang="fr-FR"/>
           </a:p>
@@ -2037,7 +2039,7 @@
             <a:fld id="{A4E237CE-6A8E-486F-B822-D789ED63026E}" type="datetime1">
               <a:rPr lang="fr-FR"/>
               <a:pPr lvl="0"/>
-              <a:t>23/08/2023</a:t>
+              <a:t>27/08/2023</a:t>
             </a:fld>
             <a:endParaRPr lang="fr-FR"/>
           </a:p>
@@ -2165,7 +2167,7 @@
             <a:fld id="{D90F998E-BC7C-4ABB-A5DB-C2BC522EEEA7}" type="datetime1">
               <a:rPr lang="fr-FR"/>
               <a:pPr lvl="0"/>
-              <a:t>23/08/2023</a:t>
+              <a:t>27/08/2023</a:t>
             </a:fld>
             <a:endParaRPr lang="fr-FR"/>
           </a:p>
@@ -2448,7 +2450,7 @@
             <a:fld id="{F7DDC317-4D74-443F-B8B1-8343A1E78D64}" type="datetime1">
               <a:rPr lang="fr-FR"/>
               <a:pPr lvl="0"/>
-              <a:t>23/08/2023</a:t>
+              <a:t>27/08/2023</a:t>
             </a:fld>
             <a:endParaRPr lang="fr-FR"/>
           </a:p>
@@ -2689,7 +2691,7 @@
             <a:fld id="{B15292F1-971C-4474-80F0-9E7E693D6740}" type="datetime1">
               <a:rPr lang="fr-FR"/>
               <a:pPr lvl="0"/>
-              <a:t>23/08/2023</a:t>
+              <a:t>27/08/2023</a:t>
             </a:fld>
             <a:endParaRPr lang="fr-FR"/>
           </a:p>
@@ -2970,7 +2972,7 @@
             <a:fld id="{0F1EFE27-71F5-4C62-B5A1-4F1E3F300639}" type="datetime1">
               <a:rPr lang="fr-FR"/>
               <a:pPr lvl="0"/>
-              <a:t>23/08/2023</a:t>
+              <a:t>27/08/2023</a:t>
             </a:fld>
             <a:endParaRPr lang="fr-FR"/>
           </a:p>
@@ -3628,6 +3630,93 @@
           <p:cNvPr id="2" name="Titre 1">
             <a:extLst>
               <a:ext uri="{FF2B5EF4-FFF2-40B4-BE49-F238E27FC236}">
+                <a16:creationId xmlns:a16="http://schemas.microsoft.com/office/drawing/2014/main" id="{B8013D8D-3317-A6BF-1B0F-888903E4AD0F}"/>
+              </a:ext>
+            </a:extLst>
+          </p:cNvPr>
+          <p:cNvSpPr>
+            <a:spLocks noGrp="1"/>
+          </p:cNvSpPr>
+          <p:nvPr>
+            <p:ph type="title"/>
+          </p:nvPr>
+        </p:nvSpPr>
+        <p:spPr/>
+        <p:txBody>
+          <a:bodyPr/>
+          <a:lstStyle/>
+          <a:p>
+            <a:r>
+              <a:rPr lang="fr-FR" dirty="0"/>
+              <a:t>Fil d’actualité</a:t>
+            </a:r>
+          </a:p>
+        </p:txBody>
+      </p:sp>
+      <p:pic>
+        <p:nvPicPr>
+          <p:cNvPr id="7" name="Espace réservé du contenu 6">
+            <a:extLst>
+              <a:ext uri="{FF2B5EF4-FFF2-40B4-BE49-F238E27FC236}">
+                <a16:creationId xmlns:a16="http://schemas.microsoft.com/office/drawing/2014/main" id="{E7B285F4-A022-ED01-E3AC-4171D00C7794}"/>
+              </a:ext>
+            </a:extLst>
+          </p:cNvPr>
+          <p:cNvPicPr>
+            <a:picLocks noGrp="1" noChangeAspect="1"/>
+          </p:cNvPicPr>
+          <p:nvPr>
+            <p:ph idx="1"/>
+          </p:nvPr>
+        </p:nvPicPr>
+        <p:blipFill>
+          <a:blip r:embed="rId2"/>
+          <a:stretch>
+            <a:fillRect/>
+          </a:stretch>
+        </p:blipFill>
+        <p:spPr>
+          <a:xfrm>
+            <a:off x="1332509" y="1825625"/>
+            <a:ext cx="9526982" cy="4351338"/>
+          </a:xfrm>
+        </p:spPr>
+      </p:pic>
+    </p:spTree>
+    <p:extLst>
+      <p:ext uri="{BB962C8B-B14F-4D97-AF65-F5344CB8AC3E}">
+        <p14:creationId xmlns:p14="http://schemas.microsoft.com/office/powerpoint/2010/main" val="429987391"/>
+      </p:ext>
+    </p:extLst>
+  </p:cSld>
+  <p:clrMapOvr>
+    <a:masterClrMapping/>
+  </p:clrMapOvr>
+</p:sld>
+</file>
+
+<file path=ppt/slides/slide4.xml><?xml version="1.0" encoding="utf-8"?>
+<p:sld xmlns:a="http://schemas.openxmlformats.org/drawingml/2006/main" xmlns:r="http://schemas.openxmlformats.org/officeDocument/2006/relationships" xmlns:p="http://schemas.openxmlformats.org/presentationml/2006/main">
+  <p:cSld>
+    <p:spTree>
+      <p:nvGrpSpPr>
+        <p:cNvPr id="1" name=""/>
+        <p:cNvGrpSpPr/>
+        <p:nvPr/>
+      </p:nvGrpSpPr>
+      <p:grpSpPr>
+        <a:xfrm>
+          <a:off x="0" y="0"/>
+          <a:ext cx="0" cy="0"/>
+          <a:chOff x="0" y="0"/>
+          <a:chExt cx="0" cy="0"/>
+        </a:xfrm>
+      </p:grpSpPr>
+      <p:sp>
+        <p:nvSpPr>
+          <p:cNvPr id="2" name="Titre 1">
+            <a:extLst>
+              <a:ext uri="{FF2B5EF4-FFF2-40B4-BE49-F238E27FC236}">
                 <a16:creationId xmlns:a16="http://schemas.microsoft.com/office/drawing/2014/main" id="{39982E23-CC1D-5362-5068-9C8E01776FCF}"/>
               </a:ext>
             </a:extLst>
@@ -3695,6 +3784,86 @@
     <p:extLst>
       <p:ext uri="{BB962C8B-B14F-4D97-AF65-F5344CB8AC3E}">
         <p14:creationId xmlns:p14="http://schemas.microsoft.com/office/powerpoint/2010/main" val="1176709094"/>
+      </p:ext>
+    </p:extLst>
+  </p:cSld>
+  <p:clrMapOvr>
+    <a:masterClrMapping/>
+  </p:clrMapOvr>
+</p:sld>
+</file>
+
+<file path=ppt/slides/slide5.xml><?xml version="1.0" encoding="utf-8"?>
+<p:sld xmlns:a="http://schemas.openxmlformats.org/drawingml/2006/main" xmlns:r="http://schemas.openxmlformats.org/officeDocument/2006/relationships" xmlns:p="http://schemas.openxmlformats.org/presentationml/2006/main">
+  <p:cSld>
+    <p:spTree>
+      <p:nvGrpSpPr>
+        <p:cNvPr id="1" name=""/>
+        <p:cNvGrpSpPr/>
+        <p:nvPr/>
+      </p:nvGrpSpPr>
+      <p:grpSpPr>
+        <a:xfrm>
+          <a:off x="0" y="0"/>
+          <a:ext cx="0" cy="0"/>
+          <a:chOff x="0" y="0"/>
+          <a:chExt cx="0" cy="0"/>
+        </a:xfrm>
+      </p:grpSpPr>
+      <p:sp>
+        <p:nvSpPr>
+          <p:cNvPr id="2" name="Titre 1">
+            <a:extLst>
+              <a:ext uri="{FF2B5EF4-FFF2-40B4-BE49-F238E27FC236}">
+                <a16:creationId xmlns:a16="http://schemas.microsoft.com/office/drawing/2014/main" id="{3E21711D-A0AA-1F14-E49A-F03CC8242703}"/>
+              </a:ext>
+            </a:extLst>
+          </p:cNvPr>
+          <p:cNvSpPr>
+            <a:spLocks noGrp="1"/>
+          </p:cNvSpPr>
+          <p:nvPr>
+            <p:ph type="title"/>
+          </p:nvPr>
+        </p:nvSpPr>
+        <p:spPr/>
+        <p:txBody>
+          <a:bodyPr/>
+          <a:lstStyle/>
+          <a:p>
+            <a:endParaRPr lang="fr-FR"/>
+          </a:p>
+        </p:txBody>
+      </p:sp>
+      <p:sp>
+        <p:nvSpPr>
+          <p:cNvPr id="3" name="Espace réservé du contenu 2">
+            <a:extLst>
+              <a:ext uri="{FF2B5EF4-FFF2-40B4-BE49-F238E27FC236}">
+                <a16:creationId xmlns:a16="http://schemas.microsoft.com/office/drawing/2014/main" id="{B463F730-F5CD-CC4B-EBE7-783963C9789A}"/>
+              </a:ext>
+            </a:extLst>
+          </p:cNvPr>
+          <p:cNvSpPr>
+            <a:spLocks noGrp="1"/>
+          </p:cNvSpPr>
+          <p:nvPr>
+            <p:ph idx="1"/>
+          </p:nvPr>
+        </p:nvSpPr>
+        <p:spPr/>
+        <p:txBody>
+          <a:bodyPr/>
+          <a:lstStyle/>
+          <a:p>
+            <a:endParaRPr lang="fr-FR"/>
+          </a:p>
+        </p:txBody>
+      </p:sp>
+    </p:spTree>
+    <p:extLst>
+      <p:ext uri="{BB962C8B-B14F-4D97-AF65-F5344CB8AC3E}">
+        <p14:creationId xmlns:p14="http://schemas.microsoft.com/office/powerpoint/2010/main" val="809917964"/>
       </p:ext>
     </p:extLst>
   </p:cSld>
